--- a/Aggregate Functions.pptx
+++ b/Aggregate Functions.pptx
@@ -109,6 +109,11 @@
       </a:defRPr>
     </a:lvl9pPr>
   </p:defaultTextStyle>
+  <p:extLst>
+    <p:ext uri="{EFAFB233-063F-42B5-8137-9DF3F51BA10A}">
+      <p15:sldGuideLst xmlns:p15="http://schemas.microsoft.com/office/powerpoint/2012/main"/>
+    </p:ext>
+  </p:extLst>
 </p:presentation>
 </file>
 
@@ -194,7 +199,7 @@
           <a:p>
             <a:fld id="{2E205B2E-2CDB-4A4D-9390-923B4016A6F5}" type="datetimeFigureOut">
               <a:rPr lang="en-US" smtClean="0"/>
-              <a:t>7/30/2021</a:t>
+              <a:t>8/2/2021</a:t>
             </a:fld>
             <a:endParaRPr lang="en-US"/>
           </a:p>
@@ -593,6 +598,140 @@
           <a:lstStyle/>
           <a:p>
             <a:r>
+              <a:rPr lang="en-US" b="0" i="0" dirty="0">
+                <a:solidFill>
+                  <a:srgbClr val="202124"/>
+                </a:solidFill>
+                <a:effectLst/>
+                <a:latin typeface="Roboto" panose="020B0604020202020204" pitchFamily="2" charset="0"/>
+              </a:rPr>
+              <a:t>Each Function performs calculations and returns a single value</a:t>
+            </a:r>
+          </a:p>
+          <a:p>
+            <a:endParaRPr lang="en-US" b="0" i="0" dirty="0">
+              <a:solidFill>
+                <a:srgbClr val="202124"/>
+              </a:solidFill>
+              <a:effectLst/>
+              <a:latin typeface="Roboto" panose="020B0604020202020204" pitchFamily="2" charset="0"/>
+            </a:endParaRPr>
+          </a:p>
+          <a:p>
+            <a:r>
+              <a:rPr lang="en-US" b="0" i="0" dirty="0">
+                <a:solidFill>
+                  <a:srgbClr val="202124"/>
+                </a:solidFill>
+                <a:effectLst/>
+                <a:latin typeface="Roboto" panose="020B0604020202020204" pitchFamily="2" charset="0"/>
+              </a:rPr>
+              <a:t>An analytic function computes values over a group of rows and returns a single result for </a:t>
+            </a:r>
+            <a:r>
+              <a:rPr lang="en-US" b="0" i="1" dirty="0">
+                <a:solidFill>
+                  <a:srgbClr val="202124"/>
+                </a:solidFill>
+                <a:effectLst/>
+                <a:latin typeface="Roboto" panose="020B0604020202020204" pitchFamily="2" charset="0"/>
+              </a:rPr>
+              <a:t>each</a:t>
+            </a:r>
+            <a:r>
+              <a:rPr lang="en-US" b="0" i="0" dirty="0">
+                <a:solidFill>
+                  <a:srgbClr val="202124"/>
+                </a:solidFill>
+                <a:effectLst/>
+                <a:latin typeface="Roboto" panose="020B0604020202020204" pitchFamily="2" charset="0"/>
+              </a:rPr>
+              <a:t> row. </a:t>
+            </a:r>
+          </a:p>
+        </p:txBody>
+      </p:sp>
+      <p:sp>
+        <p:nvSpPr>
+          <p:cNvPr id="4" name="Slide Number Placeholder 3"/>
+          <p:cNvSpPr>
+            <a:spLocks noGrp="1"/>
+          </p:cNvSpPr>
+          <p:nvPr>
+            <p:ph type="sldNum" sz="quarter" idx="5"/>
+          </p:nvPr>
+        </p:nvSpPr>
+        <p:spPr/>
+        <p:txBody>
+          <a:bodyPr/>
+          <a:lstStyle/>
+          <a:p>
+            <a:fld id="{3897D404-6E2C-454F-AD78-BB010A7ECA93}" type="slidenum">
+              <a:rPr lang="en-US" smtClean="0"/>
+              <a:t>2</a:t>
+            </a:fld>
+            <a:endParaRPr lang="en-US"/>
+          </a:p>
+        </p:txBody>
+      </p:sp>
+    </p:spTree>
+    <p:extLst>
+      <p:ext uri="{BB962C8B-B14F-4D97-AF65-F5344CB8AC3E}">
+        <p14:creationId xmlns:p14="http://schemas.microsoft.com/office/powerpoint/2010/main" val="3411908822"/>
+      </p:ext>
+    </p:extLst>
+  </p:cSld>
+  <p:clrMapOvr>
+    <a:masterClrMapping/>
+  </p:clrMapOvr>
+</p:notes>
+</file>
+
+<file path=ppt/notesSlides/notesSlide3.xml><?xml version="1.0" encoding="utf-8"?>
+<p:notes xmlns:a="http://schemas.openxmlformats.org/drawingml/2006/main" xmlns:r="http://schemas.openxmlformats.org/officeDocument/2006/relationships" xmlns:p="http://schemas.openxmlformats.org/presentationml/2006/main">
+  <p:cSld>
+    <p:spTree>
+      <p:nvGrpSpPr>
+        <p:cNvPr id="1" name=""/>
+        <p:cNvGrpSpPr/>
+        <p:nvPr/>
+      </p:nvGrpSpPr>
+      <p:grpSpPr>
+        <a:xfrm>
+          <a:off x="0" y="0"/>
+          <a:ext cx="0" cy="0"/>
+          <a:chOff x="0" y="0"/>
+          <a:chExt cx="0" cy="0"/>
+        </a:xfrm>
+      </p:grpSpPr>
+      <p:sp>
+        <p:nvSpPr>
+          <p:cNvPr id="2" name="Slide Image Placeholder 1"/>
+          <p:cNvSpPr>
+            <a:spLocks noGrp="1" noRot="1" noChangeAspect="1"/>
+          </p:cNvSpPr>
+          <p:nvPr>
+            <p:ph type="sldImg"/>
+          </p:nvPr>
+        </p:nvSpPr>
+        <p:spPr/>
+      </p:sp>
+      <p:sp>
+        <p:nvSpPr>
+          <p:cNvPr id="3" name="Notes Placeholder 2"/>
+          <p:cNvSpPr>
+            <a:spLocks noGrp="1"/>
+          </p:cNvSpPr>
+          <p:nvPr>
+            <p:ph type="body" idx="1"/>
+          </p:nvPr>
+        </p:nvSpPr>
+        <p:spPr/>
+        <p:txBody>
+          <a:bodyPr/>
+          <a:lstStyle/>
+          <a:p>
+            <a:r>
               <a:rPr lang="en-US" dirty="0"/>
               <a:t>Count – returns the total number of values in a field, works on any data type.</a:t>
             </a:r>
@@ -618,23 +757,11 @@
           <a:p>
             <a:r>
               <a:rPr lang="en-US" dirty="0"/>
-              <a:t>Avg – Returns the average of the values in the column.</a:t>
-            </a:r>
-          </a:p>
-          <a:p>
-            <a:r>
-              <a:rPr lang="en-US" dirty="0"/>
-              <a:t>First – returns the first value of the column</a:t>
-            </a:r>
-          </a:p>
-          <a:p>
-            <a:r>
-              <a:rPr lang="en-US" dirty="0"/>
-              <a:t>Last – returns the last value of </a:t>
-            </a:r>
-            <a:r>
-              <a:rPr lang="en-US"/>
-              <a:t>the column</a:t>
+              <a:t>Avg – Returns the average of the values in the </a:t>
+            </a:r>
+            <a:r>
+              <a:rPr lang="en-US"/>
+              <a:t>column.</a:t>
             </a:r>
             <a:endParaRPr lang="en-US" dirty="0"/>
           </a:p>
@@ -809,7 +936,7 @@
           <a:p>
             <a:fld id="{F3FB4CA1-A0D0-464C-B87A-9D6466A15752}" type="datetimeFigureOut">
               <a:rPr lang="en-US" smtClean="0"/>
-              <a:t>7/30/2021</a:t>
+              <a:t>8/2/2021</a:t>
             </a:fld>
             <a:endParaRPr lang="en-US"/>
           </a:p>
@@ -1096,7 +1223,7 @@
           <a:p>
             <a:fld id="{F3FB4CA1-A0D0-464C-B87A-9D6466A15752}" type="datetimeFigureOut">
               <a:rPr lang="en-US" smtClean="0"/>
-              <a:t>7/30/2021</a:t>
+              <a:t>8/2/2021</a:t>
             </a:fld>
             <a:endParaRPr lang="en-US"/>
           </a:p>
@@ -1288,7 +1415,7 @@
           <a:p>
             <a:fld id="{F3FB4CA1-A0D0-464C-B87A-9D6466A15752}" type="datetimeFigureOut">
               <a:rPr lang="en-US" smtClean="0"/>
-              <a:t>7/30/2021</a:t>
+              <a:t>8/2/2021</a:t>
             </a:fld>
             <a:endParaRPr lang="en-US"/>
           </a:p>
@@ -1549,7 +1676,7 @@
           <a:p>
             <a:fld id="{F3FB4CA1-A0D0-464C-B87A-9D6466A15752}" type="datetimeFigureOut">
               <a:rPr lang="en-US" smtClean="0"/>
-              <a:t>7/30/2021</a:t>
+              <a:t>8/2/2021</a:t>
             </a:fld>
             <a:endParaRPr lang="en-US"/>
           </a:p>
@@ -1973,7 +2100,7 @@
           <a:p>
             <a:fld id="{F3FB4CA1-A0D0-464C-B87A-9D6466A15752}" type="datetimeFigureOut">
               <a:rPr lang="en-US" smtClean="0"/>
-              <a:t>7/30/2021</a:t>
+              <a:t>8/2/2021</a:t>
             </a:fld>
             <a:endParaRPr lang="en-US"/>
           </a:p>
@@ -2519,7 +2646,7 @@
           <a:p>
             <a:fld id="{F3FB4CA1-A0D0-464C-B87A-9D6466A15752}" type="datetimeFigureOut">
               <a:rPr lang="en-US" smtClean="0"/>
-              <a:t>7/30/2021</a:t>
+              <a:t>8/2/2021</a:t>
             </a:fld>
             <a:endParaRPr lang="en-US"/>
           </a:p>
@@ -3359,7 +3486,7 @@
           <a:p>
             <a:fld id="{F3FB4CA1-A0D0-464C-B87A-9D6466A15752}" type="datetimeFigureOut">
               <a:rPr lang="en-US" smtClean="0"/>
-              <a:t>7/30/2021</a:t>
+              <a:t>8/2/2021</a:t>
             </a:fld>
             <a:endParaRPr lang="en-US"/>
           </a:p>
@@ -3529,7 +3656,7 @@
           <a:p>
             <a:fld id="{F3FB4CA1-A0D0-464C-B87A-9D6466A15752}" type="datetimeFigureOut">
               <a:rPr lang="en-US" smtClean="0"/>
-              <a:t>7/30/2021</a:t>
+              <a:t>8/2/2021</a:t>
             </a:fld>
             <a:endParaRPr lang="en-US"/>
           </a:p>
@@ -3713,7 +3840,7 @@
           <a:p>
             <a:fld id="{F3FB4CA1-A0D0-464C-B87A-9D6466A15752}" type="datetimeFigureOut">
               <a:rPr lang="en-US" smtClean="0"/>
-              <a:t>7/30/2021</a:t>
+              <a:t>8/2/2021</a:t>
             </a:fld>
             <a:endParaRPr lang="en-US"/>
           </a:p>
@@ -3883,7 +4010,7 @@
           <a:p>
             <a:fld id="{F3FB4CA1-A0D0-464C-B87A-9D6466A15752}" type="datetimeFigureOut">
               <a:rPr lang="en-US" smtClean="0"/>
-              <a:t>7/30/2021</a:t>
+              <a:t>8/2/2021</a:t>
             </a:fld>
             <a:endParaRPr lang="en-US"/>
           </a:p>
@@ -4131,7 +4258,7 @@
           <a:p>
             <a:fld id="{F3FB4CA1-A0D0-464C-B87A-9D6466A15752}" type="datetimeFigureOut">
               <a:rPr lang="en-US" smtClean="0"/>
-              <a:t>7/30/2021</a:t>
+              <a:t>8/2/2021</a:t>
             </a:fld>
             <a:endParaRPr lang="en-US"/>
           </a:p>
@@ -4368,7 +4495,7 @@
           <a:p>
             <a:fld id="{F3FB4CA1-A0D0-464C-B87A-9D6466A15752}" type="datetimeFigureOut">
               <a:rPr lang="en-US" smtClean="0"/>
-              <a:t>7/30/2021</a:t>
+              <a:t>8/2/2021</a:t>
             </a:fld>
             <a:endParaRPr lang="en-US"/>
           </a:p>
@@ -4741,7 +4868,7 @@
           <a:p>
             <a:fld id="{F3FB4CA1-A0D0-464C-B87A-9D6466A15752}" type="datetimeFigureOut">
               <a:rPr lang="en-US" smtClean="0"/>
-              <a:t>7/30/2021</a:t>
+              <a:t>8/2/2021</a:t>
             </a:fld>
             <a:endParaRPr lang="en-US"/>
           </a:p>
@@ -4859,7 +4986,7 @@
           <a:p>
             <a:fld id="{F3FB4CA1-A0D0-464C-B87A-9D6466A15752}" type="datetimeFigureOut">
               <a:rPr lang="en-US" smtClean="0"/>
-              <a:t>7/30/2021</a:t>
+              <a:t>8/2/2021</a:t>
             </a:fld>
             <a:endParaRPr lang="en-US"/>
           </a:p>
@@ -4954,7 +5081,7 @@
           <a:p>
             <a:fld id="{F3FB4CA1-A0D0-464C-B87A-9D6466A15752}" type="datetimeFigureOut">
               <a:rPr lang="en-US" smtClean="0"/>
-              <a:t>7/30/2021</a:t>
+              <a:t>8/2/2021</a:t>
             </a:fld>
             <a:endParaRPr lang="en-US"/>
           </a:p>
@@ -5205,7 +5332,7 @@
           <a:p>
             <a:fld id="{F3FB4CA1-A0D0-464C-B87A-9D6466A15752}" type="datetimeFigureOut">
               <a:rPr lang="en-US" smtClean="0"/>
-              <a:t>7/30/2021</a:t>
+              <a:t>8/2/2021</a:t>
             </a:fld>
             <a:endParaRPr lang="en-US"/>
           </a:p>
@@ -5492,7 +5619,7 @@
           <a:p>
             <a:fld id="{F3FB4CA1-A0D0-464C-B87A-9D6466A15752}" type="datetimeFigureOut">
               <a:rPr lang="en-US" smtClean="0"/>
-              <a:t>7/30/2021</a:t>
+              <a:t>8/2/2021</a:t>
             </a:fld>
             <a:endParaRPr lang="en-US"/>
           </a:p>
@@ -5705,7 +5832,7 @@
           <a:p>
             <a:fld id="{F3FB4CA1-A0D0-464C-B87A-9D6466A15752}" type="datetimeFigureOut">
               <a:rPr lang="en-US" smtClean="0"/>
-              <a:t>7/30/2021</a:t>
+              <a:t>8/2/2021</a:t>
             </a:fld>
             <a:endParaRPr lang="en-US"/>
           </a:p>
@@ -6702,16 +6829,10 @@
             </a:lvl9pPr>
           </a:lstStyle>
           <a:p>
-            <a:r>
-              <a:rPr lang="en-US" dirty="0"/>
-              <a:t>FIRST(*)</a:t>
-            </a:r>
-          </a:p>
-          <a:p>
-            <a:r>
-              <a:rPr lang="en-US" dirty="0"/>
-              <a:t>LAST(*)</a:t>
-            </a:r>
+            <a:pPr marL="0" indent="0">
+              <a:buNone/>
+            </a:pPr>
+            <a:endParaRPr lang="en-US" dirty="0"/>
           </a:p>
         </p:txBody>
       </p:sp>
